--- a/Prezentaciq.pptx
+++ b/Prezentaciq.pptx
@@ -114,6 +114,11 @@
       </a:defRPr>
     </a:lvl9pPr>
   </p:defaultTextStyle>
+  <p:extLst>
+    <p:ext uri="{EFAFB233-063F-42B5-8137-9DF3F51BA10A}">
+      <p15:sldGuideLst xmlns:p15="http://schemas.microsoft.com/office/powerpoint/2012/main"/>
+    </p:ext>
+  </p:extLst>
 </p:presentation>
 </file>
 
@@ -268,7 +273,7 @@
           <a:p>
             <a:fld id="{D1D1EADE-8E88-4C7C-8AC5-FB148DE4940E}" type="datetime1">
               <a:rPr lang="en-US" smtClean="0"/>
-              <a:t>5/14/2025</a:t>
+              <a:t>5/15/2025</a:t>
             </a:fld>
             <a:endParaRPr lang="en-US"/>
           </a:p>
@@ -508,7 +513,7 @@
           <a:p>
             <a:fld id="{E31BA835-12AC-4E8F-955A-EA3F4DE2791F}" type="datetime1">
               <a:rPr lang="en-US" smtClean="0"/>
-              <a:t>5/14/2025</a:t>
+              <a:t>5/15/2025</a:t>
             </a:fld>
             <a:endParaRPr lang="en-US"/>
           </a:p>
@@ -2588,8 +2593,8 @@
         </p:nvSpPr>
         <p:spPr bwMode="auto">
           <a:xfrm>
-            <a:off x="704087" y="2901137"/>
-            <a:ext cx="7402775" cy="1938992"/>
+            <a:off x="704087" y="2747249"/>
+            <a:ext cx="7402775" cy="2246769"/>
           </a:xfrm>
           <a:prstGeom prst="rect">
             <a:avLst/>
@@ -2887,6 +2892,61 @@
               </a:rPr>
               <a:t> – One-click Windows installer</a:t>
             </a:r>
+          </a:p>
+          <a:p>
+            <a:pPr marL="285750" marR="0" lvl="0" indent="-285750" algn="l" defTabSz="914400" rtl="0" eaLnBrk="0" fontAlgn="base" latinLnBrk="0" hangingPunct="0">
+              <a:lnSpc>
+                <a:spcPct val="100000"/>
+              </a:lnSpc>
+              <a:spcBef>
+                <a:spcPct val="0"/>
+              </a:spcBef>
+              <a:spcAft>
+                <a:spcPct val="0"/>
+              </a:spcAft>
+              <a:buClrTx/>
+              <a:buSzTx/>
+              <a:buFont typeface="Arial" panose="020B0604020202020204" pitchFamily="34" charset="0"/>
+              <a:buChar char="•"/>
+              <a:tabLst/>
+            </a:pPr>
+            <a:r>
+              <a:rPr kumimoji="0" lang="en-US" altLang="en-US" b="1" u="none" strike="noStrike" cap="none" normalizeH="0" baseline="0" dirty="0">
+                <a:ln>
+                  <a:noFill/>
+                </a:ln>
+                <a:solidFill>
+                  <a:schemeClr val="tx1"/>
+                </a:solidFill>
+                <a:effectLst/>
+              </a:rPr>
+              <a:t>Prophet</a:t>
+            </a:r>
+            <a:r>
+              <a:rPr kumimoji="0" lang="en-US" altLang="en-US" b="0" i="0" u="none" strike="noStrike" cap="none" normalizeH="0" baseline="0" dirty="0">
+                <a:ln>
+                  <a:noFill/>
+                </a:ln>
+                <a:solidFill>
+                  <a:schemeClr val="tx1"/>
+                </a:solidFill>
+                <a:effectLst/>
+              </a:rPr>
+              <a:t> – Machine learnin</a:t>
+            </a:r>
+            <a:r>
+              <a:rPr lang="en-US" altLang="en-US" dirty="0"/>
+              <a:t>g forecasting tool</a:t>
+            </a:r>
+            <a:endParaRPr kumimoji="0" lang="en-US" altLang="en-US" b="0" i="0" u="none" strike="noStrike" cap="none" normalizeH="0" baseline="0" dirty="0">
+              <a:ln>
+                <a:noFill/>
+              </a:ln>
+              <a:solidFill>
+                <a:schemeClr val="tx1"/>
+              </a:solidFill>
+              <a:effectLst/>
+            </a:endParaRPr>
           </a:p>
         </p:txBody>
       </p:sp>
@@ -4692,7 +4752,7 @@
         </p:blipFill>
         <p:spPr>
           <a:xfrm>
-            <a:off x="687415" y="1732952"/>
+            <a:off x="687415" y="1723013"/>
             <a:ext cx="6818285" cy="3392096"/>
           </a:xfrm>
           <a:prstGeom prst="rect">
